--- a/report/Infineon_PSOC6_Lecture_Project_Status_Template.pptx
+++ b/report/Infineon_PSOC6_Lecture_Project_Status_Template.pptx
@@ -1082,6 +1082,13 @@
           </a:ln>
           <a:effectLst/>
         </p:spPr>
+        <p:txBody>
+          <a:bodyPr/>
+          <a:lstStyle/>
+          <a:p>
+            <a:endParaRPr lang="en-US"/>
+          </a:p>
+        </p:txBody>
       </p:sp>
       <p:sp>
         <p:nvSpPr>
@@ -20101,7 +20108,7 @@
                 </a:solidFill>
                 <a:latin typeface="+mn-lt"/>
               </a:rPr>
-              <a:t>add your team name</a:t>
+              <a:t>Motor Group</a:t>
             </a:r>
           </a:p>
           <a:p>
@@ -20117,25 +20124,7 @@
                 </a:solidFill>
                 <a:latin typeface="+mn-lt"/>
               </a:rPr>
-              <a:t>Team Members:</a:t>
-            </a:r>
-            <a:r>
-              <a:rPr lang="en-US" sz="1600" i="1" dirty="0">
-                <a:solidFill>
-                  <a:schemeClr val="bg1"/>
-                </a:solidFill>
-                <a:latin typeface="+mn-lt"/>
-              </a:rPr>
-              <a:t> </a:t>
-            </a:r>
-            <a:r>
-              <a:rPr lang="en-US" sz="1200" i="1" dirty="0">
-                <a:solidFill>
-                  <a:schemeClr val="bg1"/>
-                </a:solidFill>
-                <a:latin typeface="+mn-lt"/>
-              </a:rPr>
-              <a:t>add your team members</a:t>
+              <a:t>Team Members: Artem Vinivitin, Mihai Marinescu, Simon Kozka</a:t>
             </a:r>
             <a:endParaRPr lang="en-US" sz="1600" i="1" dirty="0">
               <a:solidFill>
@@ -20224,8 +20213,182 @@
                   <a:schemeClr val="tx1"/>
                 </a:solidFill>
               </a:rPr>
-              <a:t>text</a:t>
-            </a:r>
+              <a:t>Agreed on a standard testbench design</a:t>
+            </a:r>
+          </a:p>
+          <a:p>
+            <a:pPr marL="285750" indent="-285750" defTabSz="576000" eaLnBrk="0" hangingPunct="0">
+              <a:lnSpc>
+                <a:spcPct val="120000"/>
+              </a:lnSpc>
+              <a:buFont typeface="Arial" panose="020B0604020202020204" pitchFamily="34" charset="0"/>
+              <a:buChar char="•"/>
+            </a:pPr>
+            <a:r>
+              <a:rPr lang="en-US" dirty="0">
+                <a:solidFill>
+                  <a:schemeClr val="tx1"/>
+                </a:solidFill>
+              </a:rPr>
+              <a:t>Designed schematics for our setup</a:t>
+            </a:r>
+          </a:p>
+          <a:p>
+            <a:pPr marL="285750" indent="-285750" defTabSz="576000" eaLnBrk="0" hangingPunct="0">
+              <a:lnSpc>
+                <a:spcPct val="120000"/>
+              </a:lnSpc>
+              <a:buFont typeface="Arial" panose="020B0604020202020204" pitchFamily="34" charset="0"/>
+              <a:buChar char="•"/>
+            </a:pPr>
+            <a:r>
+              <a:rPr lang="en-US" dirty="0">
+                <a:solidFill>
+                  <a:schemeClr val="tx1"/>
+                </a:solidFill>
+              </a:rPr>
+              <a:t>Collected some basic Microphone and IMU test data</a:t>
+            </a:r>
+          </a:p>
+          <a:p>
+            <a:pPr marL="285750" indent="-285750" defTabSz="576000" eaLnBrk="0" hangingPunct="0">
+              <a:lnSpc>
+                <a:spcPct val="120000"/>
+              </a:lnSpc>
+              <a:buFont typeface="Arial" panose="020B0604020202020204" pitchFamily="34" charset="0"/>
+              <a:buChar char="•"/>
+            </a:pPr>
+            <a:r>
+              <a:rPr lang="en-US" dirty="0">
+                <a:solidFill>
+                  <a:schemeClr val="tx1"/>
+                </a:solidFill>
+              </a:rPr>
+              <a:t>Agreed on basic and advanced data labels</a:t>
+            </a:r>
+          </a:p>
+          <a:p>
+            <a:pPr marL="285750" indent="-285750" defTabSz="576000" eaLnBrk="0" hangingPunct="0">
+              <a:lnSpc>
+                <a:spcPct val="120000"/>
+              </a:lnSpc>
+              <a:buFont typeface="Arial" panose="020B0604020202020204" pitchFamily="34" charset="0"/>
+              <a:buChar char="•"/>
+            </a:pPr>
+            <a:r>
+              <a:rPr lang="en-US" dirty="0">
+                <a:solidFill>
+                  <a:schemeClr val="tx1"/>
+                </a:solidFill>
+              </a:rPr>
+              <a:t>Ordered all the necessary components</a:t>
+            </a:r>
+          </a:p>
+          <a:p>
+            <a:pPr marL="285750" indent="-285750" defTabSz="576000" eaLnBrk="0" hangingPunct="0">
+              <a:lnSpc>
+                <a:spcPct val="120000"/>
+              </a:lnSpc>
+              <a:buFont typeface="Arial" panose="020B0604020202020204" pitchFamily="34" charset="0"/>
+              <a:buChar char="•"/>
+            </a:pPr>
+            <a:r>
+              <a:rPr lang="en-US" dirty="0">
+                <a:solidFill>
+                  <a:schemeClr val="tx1"/>
+                </a:solidFill>
+              </a:rPr>
+              <a:t>Started work on signal preprocessing</a:t>
+            </a:r>
+          </a:p>
+          <a:p>
+            <a:pPr marL="285750" indent="-285750" defTabSz="576000" eaLnBrk="0" hangingPunct="0">
+              <a:lnSpc>
+                <a:spcPct val="120000"/>
+              </a:lnSpc>
+              <a:buFont typeface="Arial" panose="020B0604020202020204" pitchFamily="34" charset="0"/>
+              <a:buChar char="•"/>
+            </a:pPr>
+            <a:r>
+              <a:rPr lang="en-US" dirty="0">
+                <a:solidFill>
+                  <a:schemeClr val="tx1"/>
+                </a:solidFill>
+              </a:rPr>
+              <a:t>Finished a basic </a:t>
+            </a:r>
+            <a:r>
+              <a:rPr lang="en-US" dirty="0" err="1">
+                <a:solidFill>
+                  <a:schemeClr val="tx1"/>
+                </a:solidFill>
+              </a:rPr>
+              <a:t>Micropython</a:t>
+            </a:r>
+            <a:r>
+              <a:rPr lang="en-US" dirty="0">
+                <a:solidFill>
+                  <a:schemeClr val="tx1"/>
+                </a:solidFill>
+              </a:rPr>
+              <a:t> script</a:t>
+            </a:r>
+          </a:p>
+          <a:p>
+            <a:pPr marL="285750" indent="-285750" defTabSz="576000" eaLnBrk="0" hangingPunct="0">
+              <a:lnSpc>
+                <a:spcPct val="120000"/>
+              </a:lnSpc>
+              <a:buFont typeface="Arial" panose="020B0604020202020204" pitchFamily="34" charset="0"/>
+              <a:buChar char="•"/>
+            </a:pPr>
+            <a:endParaRPr lang="en-US" dirty="0">
+              <a:solidFill>
+                <a:schemeClr val="tx1"/>
+              </a:solidFill>
+            </a:endParaRPr>
+          </a:p>
+          <a:p>
+            <a:pPr marL="285750" indent="-285750" defTabSz="576000" eaLnBrk="0" hangingPunct="0">
+              <a:lnSpc>
+                <a:spcPct val="120000"/>
+              </a:lnSpc>
+              <a:buFont typeface="Arial" panose="020B0604020202020204" pitchFamily="34" charset="0"/>
+              <a:buChar char="•"/>
+            </a:pPr>
+            <a:endParaRPr lang="en-US" dirty="0">
+              <a:solidFill>
+                <a:schemeClr val="tx1"/>
+              </a:solidFill>
+            </a:endParaRPr>
+          </a:p>
+          <a:p>
+            <a:pPr marL="285750" indent="-285750" defTabSz="576000" eaLnBrk="0" hangingPunct="0">
+              <a:lnSpc>
+                <a:spcPct val="120000"/>
+              </a:lnSpc>
+              <a:buFont typeface="Arial" panose="020B0604020202020204" pitchFamily="34" charset="0"/>
+              <a:buChar char="•"/>
+            </a:pPr>
+            <a:endParaRPr lang="en-US" dirty="0">
+              <a:solidFill>
+                <a:schemeClr val="tx1"/>
+              </a:solidFill>
+            </a:endParaRPr>
+          </a:p>
+          <a:p>
+            <a:pPr marL="285750" indent="-285750" defTabSz="576000" eaLnBrk="0" hangingPunct="0">
+              <a:lnSpc>
+                <a:spcPct val="120000"/>
+              </a:lnSpc>
+              <a:buFont typeface="Arial" panose="020B0604020202020204" pitchFamily="34" charset="0"/>
+              <a:buChar char="•"/>
+            </a:pPr>
+            <a:endParaRPr lang="en-US" dirty="0">
+              <a:solidFill>
+                <a:schemeClr val="tx1"/>
+              </a:solidFill>
+            </a:endParaRPr>
           </a:p>
         </p:txBody>
       </p:sp>
@@ -20307,7 +20470,24 @@
                   <a:schemeClr val="tx1"/>
                 </a:solidFill>
               </a:rPr>
-              <a:t>text</a:t>
+              <a:t>Record a sufficient amount of data for our models</a:t>
+            </a:r>
+          </a:p>
+          <a:p>
+            <a:pPr marL="285750" indent="-285750" defTabSz="576000" eaLnBrk="0" hangingPunct="0">
+              <a:lnSpc>
+                <a:spcPct val="120000"/>
+              </a:lnSpc>
+              <a:buFont typeface="Arial" panose="020B0604020202020204" pitchFamily="34" charset="0"/>
+              <a:buChar char="•"/>
+            </a:pPr>
+            <a:r>
+              <a:rPr lang="en-US" dirty="0">
+                <a:solidFill>
+                  <a:schemeClr val="tx1"/>
+                </a:solidFill>
+              </a:rPr>
+              <a:t>Design 3  AI models: IMU, Microphone, IMU + Microphone</a:t>
             </a:r>
           </a:p>
         </p:txBody>
@@ -20390,7 +20570,87 @@
                   <a:schemeClr val="tx1"/>
                 </a:solidFill>
               </a:rPr>
-              <a:t>text</a:t>
+              <a:t>IMU insensitivity</a:t>
+            </a:r>
+          </a:p>
+          <a:p>
+            <a:pPr marL="285750" indent="-285750" defTabSz="576000" eaLnBrk="0" hangingPunct="0">
+              <a:lnSpc>
+                <a:spcPct val="120000"/>
+              </a:lnSpc>
+              <a:buFont typeface="Arial" panose="020B0604020202020204" pitchFamily="34" charset="0"/>
+              <a:buChar char="•"/>
+            </a:pPr>
+            <a:r>
+              <a:rPr lang="en-US" dirty="0">
+                <a:solidFill>
+                  <a:schemeClr val="tx1"/>
+                </a:solidFill>
+              </a:rPr>
+              <a:t>Weird storage </a:t>
+            </a:r>
+            <a:r>
+              <a:rPr lang="en-US" dirty="0" err="1">
+                <a:solidFill>
+                  <a:schemeClr val="tx1"/>
+                </a:solidFill>
+              </a:rPr>
+              <a:t>behaviour</a:t>
+            </a:r>
+            <a:endParaRPr lang="en-US" dirty="0">
+              <a:solidFill>
+                <a:schemeClr val="tx1"/>
+              </a:solidFill>
+            </a:endParaRPr>
+          </a:p>
+          <a:p>
+            <a:pPr marL="285750" indent="-285750" defTabSz="576000" eaLnBrk="0" hangingPunct="0">
+              <a:lnSpc>
+                <a:spcPct val="120000"/>
+              </a:lnSpc>
+              <a:buFont typeface="Arial" panose="020B0604020202020204" pitchFamily="34" charset="0"/>
+              <a:buChar char="•"/>
+            </a:pPr>
+            <a:r>
+              <a:rPr lang="en-US" dirty="0">
+                <a:solidFill>
+                  <a:schemeClr val="tx1"/>
+                </a:solidFill>
+              </a:rPr>
+              <a:t>Minor </a:t>
+            </a:r>
+            <a:r>
+              <a:rPr lang="en-US" dirty="0" err="1">
+                <a:solidFill>
+                  <a:schemeClr val="tx1"/>
+                </a:solidFill>
+              </a:rPr>
+              <a:t>Deepcraft</a:t>
+            </a:r>
+            <a:r>
+              <a:rPr lang="en-US" dirty="0">
+                <a:solidFill>
+                  <a:schemeClr val="tx1"/>
+                </a:solidFill>
+              </a:rPr>
+              <a:t> performance issues</a:t>
+            </a:r>
+          </a:p>
+          <a:p>
+            <a:pPr marL="285750" indent="-285750" defTabSz="576000" eaLnBrk="0" hangingPunct="0">
+              <a:lnSpc>
+                <a:spcPct val="120000"/>
+              </a:lnSpc>
+              <a:buFont typeface="Arial" panose="020B0604020202020204" pitchFamily="34" charset="0"/>
+              <a:buChar char="•"/>
+            </a:pPr>
+            <a:r>
+              <a:rPr lang="en-US" dirty="0">
+                <a:solidFill>
+                  <a:schemeClr val="tx1"/>
+                </a:solidFill>
+              </a:rPr>
+              <a:t>Question: Training a model on two data streams from different sensors</a:t>
             </a:r>
           </a:p>
         </p:txBody>
@@ -23833,12 +24093,12 @@
 </file>
 
 <file path=customXml/item1.xml><?xml version="1.0" encoding="utf-8"?>
-<?mso-contentType ?>
-<FormTemplates xmlns="http://schemas.microsoft.com/sharepoint/v3/contenttype/forms">
-  <Display>DocumentLibraryForm</Display>
-  <Edit>DocumentLibraryForm</Edit>
-  <New>DocumentLibraryForm</New>
-</FormTemplates>
+<p:properties xmlns:p="http://schemas.microsoft.com/office/2006/metadata/properties" xmlns:xsi="http://www.w3.org/2001/XMLSchema-instance" xmlns:pc="http://schemas.microsoft.com/office/infopath/2007/PartnerControls">
+  <documentManagement>
+    <_ip_UnifiedCompliancePolicyUIAction xmlns="http://schemas.microsoft.com/sharepoint/v3" xsi:nil="true"/>
+    <_ip_UnifiedCompliancePolicyProperties xmlns="http://schemas.microsoft.com/sharepoint/v3" xsi:nil="true"/>
+  </documentManagement>
+</p:properties>
 </file>
 
 <file path=customXml/item2.xml><?xml version="1.0" encoding="utf-8"?>
@@ -24029,18 +24289,27 @@
 </file>
 
 <file path=customXml/item3.xml><?xml version="1.0" encoding="utf-8"?>
-<p:properties xmlns:p="http://schemas.microsoft.com/office/2006/metadata/properties" xmlns:xsi="http://www.w3.org/2001/XMLSchema-instance" xmlns:pc="http://schemas.microsoft.com/office/infopath/2007/PartnerControls">
-  <documentManagement>
-    <_ip_UnifiedCompliancePolicyUIAction xmlns="http://schemas.microsoft.com/sharepoint/v3" xsi:nil="true"/>
-    <_ip_UnifiedCompliancePolicyProperties xmlns="http://schemas.microsoft.com/sharepoint/v3" xsi:nil="true"/>
-  </documentManagement>
-</p:properties>
+<?mso-contentType ?>
+<FormTemplates xmlns="http://schemas.microsoft.com/sharepoint/v3/contenttype/forms">
+  <Display>DocumentLibraryForm</Display>
+  <Edit>DocumentLibraryForm</Edit>
+  <New>DocumentLibraryForm</New>
+</FormTemplates>
 </file>
 
 <file path=customXml/itemProps1.xml><?xml version="1.0" encoding="utf-8"?>
-<ds:datastoreItem xmlns:ds="http://schemas.openxmlformats.org/officeDocument/2006/customXml" ds:itemID="{63C6748B-B74E-4BE1-834C-AEBB9BCA18FB}">
+<ds:datastoreItem xmlns:ds="http://schemas.openxmlformats.org/officeDocument/2006/customXml" ds:itemID="{D299A1D5-F553-4264-9022-E0136C61CE27}">
   <ds:schemaRefs>
-    <ds:schemaRef ds:uri="http://schemas.microsoft.com/sharepoint/v3/contenttype/forms"/>
+    <ds:schemaRef ds:uri="http://schemas.microsoft.com/office/infopath/2007/PartnerControls"/>
+    <ds:schemaRef ds:uri="3df75a81-b7cb-4783-ab8b-190cb7919186"/>
+    <ds:schemaRef ds:uri="http://purl.org/dc/elements/1.1/"/>
+    <ds:schemaRef ds:uri="http://schemas.microsoft.com/office/2006/documentManagement/types"/>
+    <ds:schemaRef ds:uri="http://schemas.microsoft.com/sharepoint/v3"/>
+    <ds:schemaRef ds:uri="http://schemas.openxmlformats.org/package/2006/metadata/core-properties"/>
+    <ds:schemaRef ds:uri="http://schemas.microsoft.com/office/2006/metadata/properties"/>
+    <ds:schemaRef ds:uri="http://www.w3.org/XML/1998/namespace"/>
+    <ds:schemaRef ds:uri="http://purl.org/dc/dcmitype/"/>
+    <ds:schemaRef ds:uri="http://purl.org/dc/terms/"/>
   </ds:schemaRefs>
 </ds:datastoreItem>
 </file>
@@ -24065,18 +24334,9 @@
 </file>
 
 <file path=customXml/itemProps3.xml><?xml version="1.0" encoding="utf-8"?>
-<ds:datastoreItem xmlns:ds="http://schemas.openxmlformats.org/officeDocument/2006/customXml" ds:itemID="{D299A1D5-F553-4264-9022-E0136C61CE27}">
+<ds:datastoreItem xmlns:ds="http://schemas.openxmlformats.org/officeDocument/2006/customXml" ds:itemID="{63C6748B-B74E-4BE1-834C-AEBB9BCA18FB}">
   <ds:schemaRefs>
-    <ds:schemaRef ds:uri="http://schemas.microsoft.com/office/infopath/2007/PartnerControls"/>
-    <ds:schemaRef ds:uri="3df75a81-b7cb-4783-ab8b-190cb7919186"/>
-    <ds:schemaRef ds:uri="http://purl.org/dc/elements/1.1/"/>
-    <ds:schemaRef ds:uri="http://schemas.microsoft.com/office/2006/documentManagement/types"/>
-    <ds:schemaRef ds:uri="http://schemas.microsoft.com/sharepoint/v3"/>
-    <ds:schemaRef ds:uri="http://schemas.openxmlformats.org/package/2006/metadata/core-properties"/>
-    <ds:schemaRef ds:uri="http://schemas.microsoft.com/office/2006/metadata/properties"/>
-    <ds:schemaRef ds:uri="http://www.w3.org/XML/1998/namespace"/>
-    <ds:schemaRef ds:uri="http://purl.org/dc/dcmitype/"/>
-    <ds:schemaRef ds:uri="http://purl.org/dc/terms/"/>
+    <ds:schemaRef ds:uri="http://schemas.microsoft.com/sharepoint/v3/contenttype/forms"/>
   </ds:schemaRefs>
 </ds:datastoreItem>
 </file>
